--- a/Notes/5_Intro_to_basic_parametric_bayesian_inference.pptx
+++ b/Notes/5_Intro_to_basic_parametric_bayesian_inference.pptx
@@ -222,7 +222,7 @@
           <a:p>
             <a:fld id="{9BBAD1F3-839B-1348-B5DE-BD065941B883}" type="datetimeFigureOut">
               <a:rPr lang="en-US" smtClean="0"/>
-              <a:t>2/14/18</a:t>
+              <a:t>3/8/18</a:t>
             </a:fld>
             <a:endParaRPr lang="en-US"/>
           </a:p>
@@ -1181,7 +1181,7 @@
           <a:p>
             <a:fld id="{BFD6843F-E372-DB4D-9B2A-6B0B9A66C7EF}" type="datetimeFigureOut">
               <a:rPr lang="en-US" smtClean="0"/>
-              <a:t>2/14/18</a:t>
+              <a:t>3/8/18</a:t>
             </a:fld>
             <a:endParaRPr lang="en-US"/>
           </a:p>
@@ -1351,7 +1351,7 @@
           <a:p>
             <a:fld id="{BFD6843F-E372-DB4D-9B2A-6B0B9A66C7EF}" type="datetimeFigureOut">
               <a:rPr lang="en-US" smtClean="0"/>
-              <a:t>2/14/18</a:t>
+              <a:t>3/8/18</a:t>
             </a:fld>
             <a:endParaRPr lang="en-US"/>
           </a:p>
@@ -1531,7 +1531,7 @@
           <a:p>
             <a:fld id="{BFD6843F-E372-DB4D-9B2A-6B0B9A66C7EF}" type="datetimeFigureOut">
               <a:rPr lang="en-US" smtClean="0"/>
-              <a:t>2/14/18</a:t>
+              <a:t>3/8/18</a:t>
             </a:fld>
             <a:endParaRPr lang="en-US"/>
           </a:p>
@@ -1701,7 +1701,7 @@
           <a:p>
             <a:fld id="{BFD6843F-E372-DB4D-9B2A-6B0B9A66C7EF}" type="datetimeFigureOut">
               <a:rPr lang="en-US" smtClean="0"/>
-              <a:t>2/14/18</a:t>
+              <a:t>3/8/18</a:t>
             </a:fld>
             <a:endParaRPr lang="en-US"/>
           </a:p>
@@ -1947,7 +1947,7 @@
           <a:p>
             <a:fld id="{BFD6843F-E372-DB4D-9B2A-6B0B9A66C7EF}" type="datetimeFigureOut">
               <a:rPr lang="en-US" smtClean="0"/>
-              <a:t>2/14/18</a:t>
+              <a:t>3/8/18</a:t>
             </a:fld>
             <a:endParaRPr lang="en-US"/>
           </a:p>
@@ -2235,7 +2235,7 @@
           <a:p>
             <a:fld id="{BFD6843F-E372-DB4D-9B2A-6B0B9A66C7EF}" type="datetimeFigureOut">
               <a:rPr lang="en-US" smtClean="0"/>
-              <a:t>2/14/18</a:t>
+              <a:t>3/8/18</a:t>
             </a:fld>
             <a:endParaRPr lang="en-US"/>
           </a:p>
@@ -2657,7 +2657,7 @@
           <a:p>
             <a:fld id="{BFD6843F-E372-DB4D-9B2A-6B0B9A66C7EF}" type="datetimeFigureOut">
               <a:rPr lang="en-US" smtClean="0"/>
-              <a:t>2/14/18</a:t>
+              <a:t>3/8/18</a:t>
             </a:fld>
             <a:endParaRPr lang="en-US"/>
           </a:p>
@@ -2775,7 +2775,7 @@
           <a:p>
             <a:fld id="{BFD6843F-E372-DB4D-9B2A-6B0B9A66C7EF}" type="datetimeFigureOut">
               <a:rPr lang="en-US" smtClean="0"/>
-              <a:t>2/14/18</a:t>
+              <a:t>3/8/18</a:t>
             </a:fld>
             <a:endParaRPr lang="en-US"/>
           </a:p>
@@ -2870,7 +2870,7 @@
           <a:p>
             <a:fld id="{BFD6843F-E372-DB4D-9B2A-6B0B9A66C7EF}" type="datetimeFigureOut">
               <a:rPr lang="en-US" smtClean="0"/>
-              <a:t>2/14/18</a:t>
+              <a:t>3/8/18</a:t>
             </a:fld>
             <a:endParaRPr lang="en-US"/>
           </a:p>
@@ -3147,7 +3147,7 @@
           <a:p>
             <a:fld id="{BFD6843F-E372-DB4D-9B2A-6B0B9A66C7EF}" type="datetimeFigureOut">
               <a:rPr lang="en-US" smtClean="0"/>
-              <a:t>2/14/18</a:t>
+              <a:t>3/8/18</a:t>
             </a:fld>
             <a:endParaRPr lang="en-US"/>
           </a:p>
@@ -3400,7 +3400,7 @@
           <a:p>
             <a:fld id="{BFD6843F-E372-DB4D-9B2A-6B0B9A66C7EF}" type="datetimeFigureOut">
               <a:rPr lang="en-US" smtClean="0"/>
-              <a:t>2/14/18</a:t>
+              <a:t>3/8/18</a:t>
             </a:fld>
             <a:endParaRPr lang="en-US"/>
           </a:p>
@@ -3613,7 +3613,7 @@
           <a:p>
             <a:fld id="{BFD6843F-E372-DB4D-9B2A-6B0B9A66C7EF}" type="datetimeFigureOut">
               <a:rPr lang="en-US" smtClean="0"/>
-              <a:t>2/14/18</a:t>
+              <a:t>3/8/18</a:t>
             </a:fld>
             <a:endParaRPr lang="en-US"/>
           </a:p>
@@ -4204,7 +4204,7 @@
           <a:graphicData uri="http://schemas.openxmlformats.org/presentationml/2006/ole">
             <mc:AlternateContent xmlns:mc="http://schemas.openxmlformats.org/markup-compatibility/2006">
               <mc:Choice xmlns:v="urn:schemas-microsoft-com:vml" Requires="v">
-                <p:oleObj spid="_x0000_s1161" r:id="rId7" imgW="723960" imgH="361800" progId="">
+                <p:oleObj spid="_x0000_s1172" r:id="rId7" imgW="723960" imgH="361800" progId="">
                   <p:embed/>
                 </p:oleObj>
               </mc:Choice>
@@ -4284,7 +4284,7 @@
           <a:graphicData uri="http://schemas.openxmlformats.org/presentationml/2006/ole">
             <mc:AlternateContent xmlns:mc="http://schemas.openxmlformats.org/markup-compatibility/2006">
               <mc:Choice xmlns:v="urn:schemas-microsoft-com:vml" Requires="v">
-                <p:oleObj spid="_x0000_s1162" r:id="rId9" imgW="76320" imgH="181080" progId="">
+                <p:oleObj spid="_x0000_s1173" r:id="rId9" imgW="76320" imgH="181080" progId="">
                   <p:embed/>
                 </p:oleObj>
               </mc:Choice>
@@ -6086,8 +6086,8 @@
         </p:nvCxnSpPr>
         <p:spPr>
           <a:xfrm flipV="1">
-            <a:off x="3374075" y="4764517"/>
-            <a:ext cx="0" cy="443521"/>
+            <a:off x="3374075" y="4407308"/>
+            <a:ext cx="0" cy="732219"/>
           </a:xfrm>
           <a:prstGeom prst="straightConnector1">
             <a:avLst/>
@@ -6166,7 +6166,7 @@
         </p:blipFill>
         <p:spPr>
           <a:xfrm>
-            <a:off x="258524" y="4279059"/>
+            <a:off x="258524" y="3921849"/>
             <a:ext cx="7073900" cy="469900"/>
           </a:xfrm>
           <a:prstGeom prst="rect">
@@ -6229,7 +6229,21 @@
                 <a:latin typeface="Times New Roman"/>
                 <a:cs typeface="Times New Roman"/>
               </a:rPr>
-              <a:t>! Wow!</a:t>
+              <a:t>! </a:t>
+            </a:r>
+            <a:r>
+              <a:rPr lang="en-US" sz="2200" u="sng" dirty="0" smtClean="0">
+                <a:latin typeface="Times New Roman"/>
+                <a:cs typeface="Times New Roman"/>
+              </a:rPr>
+              <a:t>Wow</a:t>
+            </a:r>
+            <a:r>
+              <a:rPr lang="en-US" sz="2200" dirty="0" smtClean="0">
+                <a:latin typeface="Times New Roman"/>
+                <a:cs typeface="Times New Roman"/>
+              </a:rPr>
+              <a:t>!</a:t>
             </a:r>
             <a:endParaRPr lang="en-US" sz="2200" dirty="0">
               <a:latin typeface="Times New Roman"/>
@@ -6319,9 +6333,6 @@
                     <p:cTn id="3" fill="hold">
                       <p:stCondLst>
                         <p:cond delay="indefinite"/>
-                        <p:cond evt="onBegin" delay="0">
-                          <p:tn val="2"/>
-                        </p:cond>
                       </p:stCondLst>
                       <p:childTnLst>
                         <p:par>
@@ -6331,7 +6342,7 @@
                             </p:stCondLst>
                             <p:childTnLst>
                               <p:par>
-                                <p:cTn id="5" presetID="2" presetClass="entr" presetSubtype="4" fill="hold" nodeType="afterEffect">
+                                <p:cTn id="5" presetID="2" presetClass="entr" presetSubtype="4" fill="hold" nodeType="clickEffect">
                                   <p:stCondLst>
                                     <p:cond delay="0"/>
                                   </p:stCondLst>
@@ -6403,24 +6414,15 @@
                                   </p:childTnLst>
                                 </p:cTn>
                               </p:par>
-                            </p:childTnLst>
-                          </p:cTn>
-                        </p:par>
-                        <p:par>
-                          <p:cTn id="9" fill="hold">
-                            <p:stCondLst>
-                              <p:cond delay="500"/>
-                            </p:stCondLst>
-                            <p:childTnLst>
                               <p:par>
-                                <p:cTn id="10" presetID="2" presetClass="entr" presetSubtype="4" fill="hold" grpId="0" nodeType="afterEffect">
+                                <p:cTn id="9" presetID="2" presetClass="entr" presetSubtype="4" fill="hold" grpId="0" nodeType="withEffect">
                                   <p:stCondLst>
                                     <p:cond delay="0"/>
                                   </p:stCondLst>
                                   <p:childTnLst>
                                     <p:set>
                                       <p:cBhvr>
-                                        <p:cTn id="11" dur="1" fill="hold">
+                                        <p:cTn id="10" dur="1" fill="hold">
                                           <p:stCondLst>
                                             <p:cond delay="0"/>
                                           </p:stCondLst>
@@ -6438,7 +6440,7 @@
                                     </p:set>
                                     <p:anim calcmode="lin" valueType="num">
                                       <p:cBhvr additive="base">
-                                        <p:cTn id="12" dur="500" fill="hold"/>
+                                        <p:cTn id="11" dur="500" fill="hold"/>
                                         <p:tgtEl>
                                           <p:spTgt spid="11"/>
                                         </p:tgtEl>
@@ -6461,7 +6463,7 @@
                                     </p:anim>
                                     <p:anim calcmode="lin" valueType="num">
                                       <p:cBhvr additive="base">
-                                        <p:cTn id="13" dur="500" fill="hold"/>
+                                        <p:cTn id="12" dur="500" fill="hold"/>
                                         <p:tgtEl>
                                           <p:spTgt spid="11"/>
                                         </p:tgtEl>
@@ -6473,6 +6475,179 @@
                                         <p:tav tm="0">
                                           <p:val>
                                             <p:strVal val="1+#ppt_h/2"/>
+                                          </p:val>
+                                        </p:tav>
+                                        <p:tav tm="100000">
+                                          <p:val>
+                                            <p:strVal val="#ppt_y"/>
+                                          </p:val>
+                                        </p:tav>
+                                      </p:tavLst>
+                                    </p:anim>
+                                  </p:childTnLst>
+                                </p:cTn>
+                              </p:par>
+                            </p:childTnLst>
+                          </p:cTn>
+                        </p:par>
+                      </p:childTnLst>
+                    </p:cTn>
+                  </p:par>
+                  <p:par>
+                    <p:cTn id="13" fill="hold">
+                      <p:stCondLst>
+                        <p:cond delay="indefinite"/>
+                      </p:stCondLst>
+                      <p:childTnLst>
+                        <p:par>
+                          <p:cTn id="14" fill="hold">
+                            <p:stCondLst>
+                              <p:cond delay="0"/>
+                            </p:stCondLst>
+                            <p:childTnLst>
+                              <p:par>
+                                <p:cTn id="15" presetID="2" presetClass="entr" presetSubtype="4" fill="hold" grpId="0" nodeType="clickEffect">
+                                  <p:stCondLst>
+                                    <p:cond delay="0"/>
+                                  </p:stCondLst>
+                                  <p:childTnLst>
+                                    <p:set>
+                                      <p:cBhvr>
+                                        <p:cTn id="16" dur="1" fill="hold">
+                                          <p:stCondLst>
+                                            <p:cond delay="0"/>
+                                          </p:stCondLst>
+                                        </p:cTn>
+                                        <p:tgtEl>
+                                          <p:spTgt spid="3"/>
+                                        </p:tgtEl>
+                                        <p:attrNameLst>
+                                          <p:attrName>style.visibility</p:attrName>
+                                        </p:attrNameLst>
+                                      </p:cBhvr>
+                                      <p:to>
+                                        <p:strVal val="visible"/>
+                                      </p:to>
+                                    </p:set>
+                                    <p:anim calcmode="lin" valueType="num">
+                                      <p:cBhvr additive="base">
+                                        <p:cTn id="17" dur="500" fill="hold"/>
+                                        <p:tgtEl>
+                                          <p:spTgt spid="3"/>
+                                        </p:tgtEl>
+                                        <p:attrNameLst>
+                                          <p:attrName>ppt_x</p:attrName>
+                                        </p:attrNameLst>
+                                      </p:cBhvr>
+                                      <p:tavLst>
+                                        <p:tav tm="0">
+                                          <p:val>
+                                            <p:strVal val="#ppt_x"/>
+                                          </p:val>
+                                        </p:tav>
+                                        <p:tav tm="100000">
+                                          <p:val>
+                                            <p:strVal val="#ppt_x"/>
+                                          </p:val>
+                                        </p:tav>
+                                      </p:tavLst>
+                                    </p:anim>
+                                    <p:anim calcmode="lin" valueType="num">
+                                      <p:cBhvr additive="base">
+                                        <p:cTn id="18" dur="500" fill="hold"/>
+                                        <p:tgtEl>
+                                          <p:spTgt spid="3"/>
+                                        </p:tgtEl>
+                                        <p:attrNameLst>
+                                          <p:attrName>ppt_y</p:attrName>
+                                        </p:attrNameLst>
+                                      </p:cBhvr>
+                                      <p:tavLst>
+                                        <p:tav tm="0">
+                                          <p:val>
+                                            <p:strVal val="1+#ppt_h/2"/>
+                                          </p:val>
+                                        </p:tav>
+                                        <p:tav tm="100000">
+                                          <p:val>
+                                            <p:strVal val="#ppt_y"/>
+                                          </p:val>
+                                        </p:tav>
+                                      </p:tavLst>
+                                    </p:anim>
+                                  </p:childTnLst>
+                                </p:cTn>
+                              </p:par>
+                            </p:childTnLst>
+                          </p:cTn>
+                        </p:par>
+                        <p:par>
+                          <p:cTn id="19" fill="hold">
+                            <p:stCondLst>
+                              <p:cond delay="500"/>
+                            </p:stCondLst>
+                            <p:childTnLst>
+                              <p:par>
+                                <p:cTn id="20" presetID="2" presetClass="entr" presetSubtype="1" fill="hold" grpId="0" nodeType="afterEffect">
+                                  <p:stCondLst>
+                                    <p:cond delay="0"/>
+                                  </p:stCondLst>
+                                  <p:childTnLst>
+                                    <p:set>
+                                      <p:cBhvr>
+                                        <p:cTn id="21" dur="1" fill="hold">
+                                          <p:stCondLst>
+                                            <p:cond delay="0"/>
+                                          </p:stCondLst>
+                                        </p:cTn>
+                                        <p:tgtEl>
+                                          <p:spTgt spid="7"/>
+                                        </p:tgtEl>
+                                        <p:attrNameLst>
+                                          <p:attrName>style.visibility</p:attrName>
+                                        </p:attrNameLst>
+                                      </p:cBhvr>
+                                      <p:to>
+                                        <p:strVal val="visible"/>
+                                      </p:to>
+                                    </p:set>
+                                    <p:anim calcmode="lin" valueType="num">
+                                      <p:cBhvr additive="base">
+                                        <p:cTn id="22" dur="500" fill="hold"/>
+                                        <p:tgtEl>
+                                          <p:spTgt spid="7"/>
+                                        </p:tgtEl>
+                                        <p:attrNameLst>
+                                          <p:attrName>ppt_x</p:attrName>
+                                        </p:attrNameLst>
+                                      </p:cBhvr>
+                                      <p:tavLst>
+                                        <p:tav tm="0">
+                                          <p:val>
+                                            <p:strVal val="#ppt_x"/>
+                                          </p:val>
+                                        </p:tav>
+                                        <p:tav tm="100000">
+                                          <p:val>
+                                            <p:strVal val="#ppt_x"/>
+                                          </p:val>
+                                        </p:tav>
+                                      </p:tavLst>
+                                    </p:anim>
+                                    <p:anim calcmode="lin" valueType="num">
+                                      <p:cBhvr additive="base">
+                                        <p:cTn id="23" dur="500" fill="hold"/>
+                                        <p:tgtEl>
+                                          <p:spTgt spid="7"/>
+                                        </p:tgtEl>
+                                        <p:attrNameLst>
+                                          <p:attrName>ppt_y</p:attrName>
+                                        </p:attrNameLst>
+                                      </p:cBhvr>
+                                      <p:tavLst>
+                                        <p:tav tm="0">
+                                          <p:val>
+                                            <p:strVal val="0-#ppt_h/2"/>
                                           </p:val>
                                         </p:tav>
                                         <p:tav tm="100000">
@@ -6514,6 +6689,8 @@
     </p:tnLst>
     <p:bldLst>
       <p:bldP spid="11" grpId="0"/>
+      <p:bldP spid="3" grpId="0"/>
+      <p:bldP spid="7" grpId="0"/>
     </p:bldLst>
   </p:timing>
 </p:sld>
@@ -6578,13 +6755,13 @@
         </p:nvPicPr>
         <p:blipFill rotWithShape="1">
           <a:blip r:embed="rId3"/>
-          <a:srcRect l="3540"/>
+          <a:srcRect l="3540" r="603" b="4626"/>
           <a:stretch/>
         </p:blipFill>
         <p:spPr>
           <a:xfrm>
             <a:off x="135116" y="310729"/>
-            <a:ext cx="4431810" cy="3527142"/>
+            <a:ext cx="4404123" cy="3363983"/>
           </a:xfrm>
           <a:prstGeom prst="rect">
             <a:avLst/>
@@ -11389,7 +11566,7 @@
         <p:spPr>
           <a:xfrm>
             <a:off x="539408" y="2163279"/>
-            <a:ext cx="2985889" cy="3539431"/>
+            <a:ext cx="2985889" cy="3754874"/>
           </a:xfrm>
           <a:prstGeom prst="rect">
             <a:avLst/>
@@ -11646,6 +11823,32 @@
               </a:rPr>
               <a:t>); </a:t>
             </a:r>
+            <a:endParaRPr lang="en-US" sz="1400" dirty="0" smtClean="0">
+              <a:solidFill>
+                <a:schemeClr val="bg1"/>
+              </a:solidFill>
+              <a:latin typeface="Courier"/>
+              <a:cs typeface="Courier"/>
+            </a:endParaRPr>
+          </a:p>
+          <a:p>
+            <a:r>
+              <a:rPr lang="en-US" sz="1400" dirty="0">
+                <a:solidFill>
+                  <a:schemeClr val="bg1"/>
+                </a:solidFill>
+                <a:latin typeface="Courier"/>
+                <a:cs typeface="Courier"/>
+              </a:rPr>
+              <a:t>}</a:t>
+            </a:r>
+            <a:endParaRPr lang="en-US" sz="1400" dirty="0" smtClean="0">
+              <a:solidFill>
+                <a:schemeClr val="bg1"/>
+              </a:solidFill>
+              <a:latin typeface="Courier"/>
+              <a:cs typeface="Courier"/>
+            </a:endParaRPr>
           </a:p>
           <a:p>
             <a:r>
@@ -20622,7 +20825,7 @@
         <p:spPr>
           <a:xfrm>
             <a:off x="442773" y="3241477"/>
-            <a:ext cx="8396084" cy="2062103"/>
+            <a:ext cx="8396084" cy="2492990"/>
           </a:xfrm>
           <a:prstGeom prst="rect">
             <a:avLst/>
@@ -20644,8 +20847,82 @@
                 <a:latin typeface="Times New Roman"/>
                 <a:cs typeface="Times New Roman"/>
               </a:rPr>
-              <a:t>Though there are many opinions out there about “checking” your Bayesian model:</a:t>
-            </a:r>
+              <a:t>That said, </a:t>
+            </a:r>
+            <a:r>
+              <a:rPr lang="en-US" sz="2800" dirty="0" smtClean="0">
+                <a:latin typeface="Times New Roman"/>
+                <a:cs typeface="Times New Roman"/>
+              </a:rPr>
+              <a:t>there are many </a:t>
+            </a:r>
+            <a:r>
+              <a:rPr lang="en-US" sz="2800" dirty="0" smtClean="0">
+                <a:latin typeface="Times New Roman"/>
+                <a:cs typeface="Times New Roman"/>
+              </a:rPr>
+              <a:t>practical ways</a:t>
+            </a:r>
+            <a:r>
+              <a:rPr lang="en-US" sz="2800" dirty="0" smtClean="0">
+                <a:latin typeface="Times New Roman"/>
+                <a:cs typeface="Times New Roman"/>
+              </a:rPr>
+              <a:t> </a:t>
+            </a:r>
+            <a:r>
+              <a:rPr lang="en-US" sz="2800" dirty="0" smtClean="0">
+                <a:latin typeface="Times New Roman"/>
+                <a:cs typeface="Times New Roman"/>
+              </a:rPr>
+              <a:t>out there </a:t>
+            </a:r>
+            <a:r>
+              <a:rPr lang="en-US" sz="2800" dirty="0" smtClean="0">
+                <a:latin typeface="Times New Roman"/>
+                <a:cs typeface="Times New Roman"/>
+              </a:rPr>
+              <a:t>to</a:t>
+            </a:r>
+            <a:r>
+              <a:rPr lang="en-US" sz="2800" dirty="0" smtClean="0">
+                <a:latin typeface="Times New Roman"/>
+                <a:cs typeface="Times New Roman"/>
+              </a:rPr>
+              <a:t> </a:t>
+            </a:r>
+            <a:r>
+              <a:rPr lang="en-US" sz="2800" dirty="0" smtClean="0">
+                <a:latin typeface="Times New Roman"/>
+                <a:cs typeface="Times New Roman"/>
+              </a:rPr>
+              <a:t>“</a:t>
+            </a:r>
+            <a:r>
+              <a:rPr lang="en-US" sz="2800" dirty="0" smtClean="0">
+                <a:latin typeface="Times New Roman"/>
+                <a:cs typeface="Times New Roman"/>
+              </a:rPr>
+              <a:t>check” (“stress-test”) your </a:t>
+            </a:r>
+            <a:r>
+              <a:rPr lang="en-US" sz="2800" dirty="0" smtClean="0">
+                <a:latin typeface="Times New Roman"/>
+                <a:cs typeface="Times New Roman"/>
+              </a:rPr>
+              <a:t>Bayesian </a:t>
+            </a:r>
+            <a:r>
+              <a:rPr lang="en-US" sz="2800" dirty="0" smtClean="0">
+                <a:latin typeface="Times New Roman"/>
+                <a:cs typeface="Times New Roman"/>
+              </a:rPr>
+              <a:t>models and assumptions:</a:t>
+            </a:r>
+            <a:endParaRPr lang="en-US" sz="2800" dirty="0" smtClean="0">
+              <a:latin typeface="Times New Roman"/>
+              <a:cs typeface="Times New Roman"/>
+            </a:endParaRPr>
           </a:p>
           <a:p>
             <a:pPr marL="742950" lvl="1" indent="-285750">
@@ -25171,6 +25448,9 @@
                     <p:cTn id="3" fill="hold">
                       <p:stCondLst>
                         <p:cond delay="indefinite"/>
+                        <p:cond evt="onBegin" delay="0">
+                          <p:tn val="2"/>
+                        </p:cond>
                       </p:stCondLst>
                       <p:childTnLst>
                         <p:par>
@@ -25180,7 +25460,7 @@
                             </p:stCondLst>
                             <p:childTnLst>
                               <p:par>
-                                <p:cTn id="5" presetID="2" presetClass="entr" presetSubtype="4" fill="hold" grpId="0" nodeType="clickEffect">
+                                <p:cTn id="5" presetID="2" presetClass="entr" presetSubtype="4" fill="hold" grpId="0" nodeType="afterEffect">
                                   <p:stCondLst>
                                     <p:cond delay="0"/>
                                   </p:stCondLst>
@@ -25193,7 +25473,7 @@
                                           </p:stCondLst>
                                         </p:cTn>
                                         <p:tgtEl>
-                                          <p:spTgt spid="7"/>
+                                          <p:spTgt spid="3"/>
                                         </p:tgtEl>
                                         <p:attrNameLst>
                                           <p:attrName>style.visibility</p:attrName>
@@ -25207,7 +25487,7 @@
                                       <p:cBhvr additive="base">
                                         <p:cTn id="7" dur="500" fill="hold"/>
                                         <p:tgtEl>
-                                          <p:spTgt spid="7"/>
+                                          <p:spTgt spid="3"/>
                                         </p:tgtEl>
                                         <p:attrNameLst>
                                           <p:attrName>ppt_x</p:attrName>
@@ -25230,7 +25510,7 @@
                                       <p:cBhvr additive="base">
                                         <p:cTn id="8" dur="500" fill="hold"/>
                                         <p:tgtEl>
-                                          <p:spTgt spid="7"/>
+                                          <p:spTgt spid="3"/>
                                         </p:tgtEl>
                                         <p:attrNameLst>
                                           <p:attrName>ppt_y</p:attrName>
@@ -25275,7 +25555,7 @@
                                           </p:stCondLst>
                                         </p:cTn>
                                         <p:tgtEl>
-                                          <p:spTgt spid="3"/>
+                                          <p:spTgt spid="7"/>
                                         </p:tgtEl>
                                         <p:attrNameLst>
                                           <p:attrName>style.visibility</p:attrName>
@@ -25289,7 +25569,7 @@
                                       <p:cBhvr additive="base">
                                         <p:cTn id="12" dur="500" fill="hold"/>
                                         <p:tgtEl>
-                                          <p:spTgt spid="3"/>
+                                          <p:spTgt spid="7"/>
                                         </p:tgtEl>
                                         <p:attrNameLst>
                                           <p:attrName>ppt_x</p:attrName>
@@ -25312,7 +25592,7 @@
                                       <p:cBhvr additive="base">
                                         <p:cTn id="13" dur="500" fill="hold"/>
                                         <p:tgtEl>
-                                          <p:spTgt spid="3"/>
+                                          <p:spTgt spid="7"/>
                                         </p:tgtEl>
                                         <p:attrNameLst>
                                           <p:attrName>ppt_y</p:attrName>
@@ -25337,21 +25617,30 @@
                             </p:childTnLst>
                           </p:cTn>
                         </p:par>
+                      </p:childTnLst>
+                    </p:cTn>
+                  </p:par>
+                  <p:par>
+                    <p:cTn id="14" fill="hold">
+                      <p:stCondLst>
+                        <p:cond delay="indefinite"/>
+                      </p:stCondLst>
+                      <p:childTnLst>
                         <p:par>
-                          <p:cTn id="14" fill="hold">
+                          <p:cTn id="15" fill="hold">
                             <p:stCondLst>
-                              <p:cond delay="1000"/>
+                              <p:cond delay="0"/>
                             </p:stCondLst>
                             <p:childTnLst>
                               <p:par>
-                                <p:cTn id="15" presetID="2" presetClass="entr" presetSubtype="4" fill="hold" grpId="0" nodeType="afterEffect">
+                                <p:cTn id="16" presetID="2" presetClass="entr" presetSubtype="4" fill="hold" grpId="0" nodeType="clickEffect">
                                   <p:stCondLst>
                                     <p:cond delay="0"/>
                                   </p:stCondLst>
                                   <p:childTnLst>
                                     <p:set>
                                       <p:cBhvr>
-                                        <p:cTn id="16" dur="1" fill="hold">
+                                        <p:cTn id="17" dur="1" fill="hold">
                                           <p:stCondLst>
                                             <p:cond delay="0"/>
                                           </p:stCondLst>
@@ -25369,7 +25658,7 @@
                                     </p:set>
                                     <p:anim calcmode="lin" valueType="num">
                                       <p:cBhvr additive="base">
-                                        <p:cTn id="17" dur="500" fill="hold"/>
+                                        <p:cTn id="18" dur="500" fill="hold"/>
                                         <p:tgtEl>
                                           <p:spTgt spid="8"/>
                                         </p:tgtEl>
@@ -25392,7 +25681,7 @@
                                     </p:anim>
                                     <p:anim calcmode="lin" valueType="num">
                                       <p:cBhvr additive="base">
-                                        <p:cTn id="18" dur="500" fill="hold"/>
+                                        <p:cTn id="19" dur="500" fill="hold"/>
                                         <p:tgtEl>
                                           <p:spTgt spid="8"/>
                                         </p:tgtEl>
